--- a/network-modeling-summer-school/notebooks/verification-and-validation/Verification and Validation_ Overview.pptx
+++ b/network-modeling-summer-school/notebooks/verification-and-validation/Verification and Validation_ Overview.pptx
@@ -16921,30 +16921,6 @@
               </a:rPr>
               <a:t>1,2</a:t>
             </a:r>
-            <a:r>
-              <a:rPr b="0" i="0" lang="en-US" sz="1800" u="none" cap="none" strike="noStrike">
-                <a:solidFill>
-                  <a:schemeClr val="lt1"/>
-                </a:solidFill>
-                <a:latin typeface="Calibri"/>
-                <a:ea typeface="Calibri"/>
-                <a:cs typeface="Calibri"/>
-                <a:sym typeface="Calibri"/>
-              </a:rPr>
-              <a:t> and Herbert M Sauro</a:t>
-            </a:r>
-            <a:r>
-              <a:rPr b="0" baseline="30000" i="0" lang="en-US" sz="1800" u="none" cap="none" strike="noStrike">
-                <a:solidFill>
-                  <a:schemeClr val="lt1"/>
-                </a:solidFill>
-                <a:latin typeface="Calibri"/>
-                <a:ea typeface="Calibri"/>
-                <a:cs typeface="Calibri"/>
-                <a:sym typeface="Calibri"/>
-              </a:rPr>
-              <a:t>2</a:t>
-            </a:r>
             <a:endParaRPr b="0" i="0" sz="1800" u="none" cap="none" strike="noStrike">
               <a:solidFill>
                 <a:schemeClr val="lt1"/>
@@ -17078,37 +17054,16 @@
               <a:buNone/>
             </a:pPr>
             <a:r>
-              <a:rPr b="0" baseline="30000" i="0" lang="en-US" sz="1800" u="none" cap="none" strike="noStrike">
-                <a:solidFill>
-                  <a:schemeClr val="lt1"/>
-                </a:solidFill>
-                <a:latin typeface="Calibri"/>
-                <a:ea typeface="Calibri"/>
-                <a:cs typeface="Calibri"/>
-                <a:sym typeface="Calibri"/>
-              </a:rPr>
-              <a:t>3</a:t>
+              <a:t/>
             </a:r>
-            <a:r>
-              <a:rPr b="0" i="0" lang="en-US" sz="1800" u="none" cap="none" strike="noStrike">
-                <a:solidFill>
-                  <a:schemeClr val="lt1"/>
-                </a:solidFill>
-                <a:latin typeface="Calibri"/>
-                <a:ea typeface="Calibri"/>
-                <a:cs typeface="Calibri"/>
-                <a:sym typeface="Calibri"/>
-              </a:rPr>
-              <a:t>Department of Bioengineering</a:t>
-            </a:r>
-            <a:endParaRPr b="0" i="0" sz="1400" u="none" cap="none" strike="noStrike">
+            <a:endParaRPr baseline="30000" sz="1800">
               <a:solidFill>
-                <a:srgbClr val="000000"/>
+                <a:schemeClr val="lt1"/>
               </a:solidFill>
-              <a:latin typeface="Arial"/>
-              <a:ea typeface="Arial"/>
-              <a:cs typeface="Arial"/>
-              <a:sym typeface="Arial"/>
+              <a:latin typeface="Calibri"/>
+              <a:ea typeface="Calibri"/>
+              <a:cs typeface="Calibri"/>
+              <a:sym typeface="Calibri"/>
             </a:endParaRPr>
           </a:p>
           <a:p>
@@ -20266,7 +20221,7 @@
             <a:tbl>
               <a:tblPr bandRow="1" firstRow="1">
                 <a:noFill/>
-                <a:tableStyleId>{446B7DF0-9AD9-4FE1-9024-7668B3B564FE}</a:tableStyleId>
+                <a:tableStyleId>{7C64D26E-E486-4156-9093-E02CE1D5584A}</a:tableStyleId>
               </a:tblPr>
               <a:tblGrid>
                 <a:gridCol w="1151325"/>
@@ -20629,7 +20584,7 @@
             <a:tbl>
               <a:tblPr bandRow="1" firstRow="1">
                 <a:noFill/>
-                <a:tableStyleId>{446B7DF0-9AD9-4FE1-9024-7668B3B564FE}</a:tableStyleId>
+                <a:tableStyleId>{7C64D26E-E486-4156-9093-E02CE1D5584A}</a:tableStyleId>
               </a:tblPr>
               <a:tblGrid>
                 <a:gridCol w="989150"/>
@@ -21000,7 +20955,7 @@
             <a:tbl>
               <a:tblPr bandRow="1" firstRow="1">
                 <a:noFill/>
-                <a:tableStyleId>{446B7DF0-9AD9-4FE1-9024-7668B3B564FE}</a:tableStyleId>
+                <a:tableStyleId>{7C64D26E-E486-4156-9093-E02CE1D5584A}</a:tableStyleId>
               </a:tblPr>
               <a:tblGrid>
                 <a:gridCol w="989150"/>
@@ -22042,7 +21997,7 @@
             <a:tbl>
               <a:tblPr bandRow="1" firstRow="1">
                 <a:noFill/>
-                <a:tableStyleId>{446B7DF0-9AD9-4FE1-9024-7668B3B564FE}</a:tableStyleId>
+                <a:tableStyleId>{7C64D26E-E486-4156-9093-E02CE1D5584A}</a:tableStyleId>
               </a:tblPr>
               <a:tblGrid>
                 <a:gridCol w="1151325"/>
@@ -30362,7 +30317,7 @@
             <a:tbl>
               <a:tblPr bandRow="1" firstRow="1">
                 <a:noFill/>
-                <a:tableStyleId>{446B7DF0-9AD9-4FE1-9024-7668B3B564FE}</a:tableStyleId>
+                <a:tableStyleId>{7C64D26E-E486-4156-9093-E02CE1D5584A}</a:tableStyleId>
               </a:tblPr>
               <a:tblGrid>
                 <a:gridCol w="1637550"/>
@@ -31367,7 +31322,7 @@
             <a:tbl>
               <a:tblPr bandRow="1" firstRow="1">
                 <a:noFill/>
-                <a:tableStyleId>{446B7DF0-9AD9-4FE1-9024-7668B3B564FE}</a:tableStyleId>
+                <a:tableStyleId>{7C64D26E-E486-4156-9093-E02CE1D5584A}</a:tableStyleId>
               </a:tblPr>
               <a:tblGrid>
                 <a:gridCol w="1637550"/>
